--- a/внешний вид.pptx
+++ b/внешний вид.pptx
@@ -7,6 +7,7 @@
   <p:sldIdLst>
     <p:sldId id="256" r:id="rId2"/>
     <p:sldId id="257" r:id="rId3"/>
+    <p:sldId id="258" r:id="rId4"/>
   </p:sldIdLst>
   <p:sldSz cx="6697663" cy="3779838"/>
   <p:notesSz cx="6858000" cy="9144000"/>
@@ -290,7 +291,7 @@
             <a:fld id="{A9D630E6-080C-48C4-8F9A-1A9E1A83D52B}" type="datetimeFigureOut">
               <a:rPr lang="ru-RU" smtClean="0"/>
               <a:pPr/>
-              <a:t>17.12.2023</a:t>
+              <a:t>29.12.2023</a:t>
             </a:fld>
             <a:endParaRPr lang="ru-RU"/>
           </a:p>
@@ -457,7 +458,7 @@
             <a:fld id="{A9D630E6-080C-48C4-8F9A-1A9E1A83D52B}" type="datetimeFigureOut">
               <a:rPr lang="ru-RU" smtClean="0"/>
               <a:pPr/>
-              <a:t>17.12.2023</a:t>
+              <a:t>29.12.2023</a:t>
             </a:fld>
             <a:endParaRPr lang="ru-RU"/>
           </a:p>
@@ -634,7 +635,7 @@
             <a:fld id="{A9D630E6-080C-48C4-8F9A-1A9E1A83D52B}" type="datetimeFigureOut">
               <a:rPr lang="ru-RU" smtClean="0"/>
               <a:pPr/>
-              <a:t>17.12.2023</a:t>
+              <a:t>29.12.2023</a:t>
             </a:fld>
             <a:endParaRPr lang="ru-RU"/>
           </a:p>
@@ -801,7 +802,7 @@
             <a:fld id="{A9D630E6-080C-48C4-8F9A-1A9E1A83D52B}" type="datetimeFigureOut">
               <a:rPr lang="ru-RU" smtClean="0"/>
               <a:pPr/>
-              <a:t>17.12.2023</a:t>
+              <a:t>29.12.2023</a:t>
             </a:fld>
             <a:endParaRPr lang="ru-RU"/>
           </a:p>
@@ -1044,7 +1045,7 @@
             <a:fld id="{A9D630E6-080C-48C4-8F9A-1A9E1A83D52B}" type="datetimeFigureOut">
               <a:rPr lang="ru-RU" smtClean="0"/>
               <a:pPr/>
-              <a:t>17.12.2023</a:t>
+              <a:t>29.12.2023</a:t>
             </a:fld>
             <a:endParaRPr lang="ru-RU"/>
           </a:p>
@@ -1329,7 +1330,7 @@
             <a:fld id="{A9D630E6-080C-48C4-8F9A-1A9E1A83D52B}" type="datetimeFigureOut">
               <a:rPr lang="ru-RU" smtClean="0"/>
               <a:pPr/>
-              <a:t>17.12.2023</a:t>
+              <a:t>29.12.2023</a:t>
             </a:fld>
             <a:endParaRPr lang="ru-RU"/>
           </a:p>
@@ -1748,7 +1749,7 @@
             <a:fld id="{A9D630E6-080C-48C4-8F9A-1A9E1A83D52B}" type="datetimeFigureOut">
               <a:rPr lang="ru-RU" smtClean="0"/>
               <a:pPr/>
-              <a:t>17.12.2023</a:t>
+              <a:t>29.12.2023</a:t>
             </a:fld>
             <a:endParaRPr lang="ru-RU"/>
           </a:p>
@@ -1863,7 +1864,7 @@
             <a:fld id="{A9D630E6-080C-48C4-8F9A-1A9E1A83D52B}" type="datetimeFigureOut">
               <a:rPr lang="ru-RU" smtClean="0"/>
               <a:pPr/>
-              <a:t>17.12.2023</a:t>
+              <a:t>29.12.2023</a:t>
             </a:fld>
             <a:endParaRPr lang="ru-RU"/>
           </a:p>
@@ -1955,7 +1956,7 @@
             <a:fld id="{A9D630E6-080C-48C4-8F9A-1A9E1A83D52B}" type="datetimeFigureOut">
               <a:rPr lang="ru-RU" smtClean="0"/>
               <a:pPr/>
-              <a:t>17.12.2023</a:t>
+              <a:t>29.12.2023</a:t>
             </a:fld>
             <a:endParaRPr lang="ru-RU"/>
           </a:p>
@@ -2229,7 +2230,7 @@
             <a:fld id="{A9D630E6-080C-48C4-8F9A-1A9E1A83D52B}" type="datetimeFigureOut">
               <a:rPr lang="ru-RU" smtClean="0"/>
               <a:pPr/>
-              <a:t>17.12.2023</a:t>
+              <a:t>29.12.2023</a:t>
             </a:fld>
             <a:endParaRPr lang="ru-RU"/>
           </a:p>
@@ -2479,7 +2480,7 @@
             <a:fld id="{A9D630E6-080C-48C4-8F9A-1A9E1A83D52B}" type="datetimeFigureOut">
               <a:rPr lang="ru-RU" smtClean="0"/>
               <a:pPr/>
-              <a:t>17.12.2023</a:t>
+              <a:t>29.12.2023</a:t>
             </a:fld>
             <a:endParaRPr lang="ru-RU"/>
           </a:p>
@@ -2689,7 +2690,7 @@
             <a:fld id="{A9D630E6-080C-48C4-8F9A-1A9E1A83D52B}" type="datetimeFigureOut">
               <a:rPr lang="ru-RU" smtClean="0"/>
               <a:pPr/>
-              <a:t>17.12.2023</a:t>
+              <a:t>29.12.2023</a:t>
             </a:fld>
             <a:endParaRPr lang="ru-RU"/>
           </a:p>
@@ -3298,7 +3299,30 @@
               </a:r>
               <a:r>
                 <a:rPr lang="ru-RU" sz="800" dirty="0" smtClean="0"/>
-                <a:t> с видом сбоку</a:t>
+                <a:t> с видом </a:t>
+              </a:r>
+              <a:r>
+                <a:rPr lang="ru-RU" sz="800" dirty="0" smtClean="0"/>
+                <a:t>сбоку</a:t>
+              </a:r>
+              <a:endParaRPr lang="en-US" sz="800" dirty="0" smtClean="0"/>
+            </a:p>
+            <a:p>
+              <a:pPr algn="ctr"/>
+              <a:r>
+                <a:rPr lang="ru-RU" sz="800" dirty="0" smtClean="0"/>
+                <a:t>ИЗМЕННЕННО</a:t>
+              </a:r>
+              <a:r>
+                <a:rPr lang="ru-RU" sz="800" dirty="0" smtClean="0"/>
+                <a:t>:</a:t>
+              </a:r>
+            </a:p>
+            <a:p>
+              <a:pPr algn="ctr"/>
+              <a:r>
+                <a:rPr lang="ru-RU" sz="800" dirty="0" smtClean="0"/>
+                <a:t>Смотреть пункт №1</a:t>
               </a:r>
               <a:endParaRPr lang="ru-RU" sz="800" dirty="0"/>
             </a:p>
@@ -9902,6 +9926,105 @@
 </p:sld>
 </file>
 
+<file path=ppt/slides/slide3.xml><?xml version="1.0" encoding="utf-8"?>
+<p:sld xmlns:a="http://schemas.openxmlformats.org/drawingml/2006/main" xmlns:r="http://schemas.openxmlformats.org/officeDocument/2006/relationships" xmlns:p="http://schemas.openxmlformats.org/presentationml/2006/main">
+  <p:cSld>
+    <p:spTree>
+      <p:nvGrpSpPr>
+        <p:cNvPr id="1" name=""/>
+        <p:cNvGrpSpPr/>
+        <p:nvPr/>
+      </p:nvGrpSpPr>
+      <p:grpSpPr>
+        <a:xfrm>
+          <a:off x="0" y="0"/>
+          <a:ext cx="0" cy="0"/>
+          <a:chOff x="0" y="0"/>
+          <a:chExt cx="0" cy="0"/>
+        </a:xfrm>
+      </p:grpSpPr>
+      <p:sp>
+        <p:nvSpPr>
+          <p:cNvPr id="3" name="Содержимое 2"/>
+          <p:cNvSpPr>
+            <a:spLocks noGrp="1"/>
+          </p:cNvSpPr>
+          <p:nvPr>
+            <p:ph idx="1"/>
+          </p:nvPr>
+        </p:nvSpPr>
+        <p:spPr>
+          <a:xfrm>
+            <a:off x="-1" y="0"/>
+            <a:ext cx="6697663" cy="3779838"/>
+          </a:xfrm>
+        </p:spPr>
+        <p:txBody>
+          <a:bodyPr/>
+          <a:lstStyle/>
+          <a:p>
+            <a:pPr>
+              <a:buNone/>
+            </a:pPr>
+            <a:r>
+              <a:rPr lang="ru-RU" dirty="0" smtClean="0"/>
+              <a:t>Пункт№1:</a:t>
+            </a:r>
+          </a:p>
+          <a:p>
+            <a:r>
+              <a:rPr lang="ru-RU" dirty="0" smtClean="0"/>
+              <a:t>Локация сбоку будет показываться ТАМ ГДЕ и сверху то есть например если </a:t>
+            </a:r>
+            <a:r>
+              <a:rPr lang="ru-RU" dirty="0" err="1" smtClean="0"/>
+              <a:t>гг</a:t>
+            </a:r>
+            <a:r>
+              <a:rPr lang="ru-RU" dirty="0" smtClean="0"/>
+              <a:t> заходит в спец локацию то вид изменятся на боковой ТАМ ЖЕ ГДЕ был вид сверху.   </a:t>
+            </a:r>
+            <a:r>
+              <a:rPr lang="en-US" dirty="0" smtClean="0"/>
+              <a:t>P.S.</a:t>
+            </a:r>
+            <a:r>
+              <a:rPr lang="ru-RU" dirty="0" smtClean="0"/>
+              <a:t>: там где красное</a:t>
+            </a:r>
+          </a:p>
+          <a:p>
+            <a:r>
+              <a:rPr lang="ru-RU" dirty="0" smtClean="0"/>
+              <a:t>На месте </a:t>
+            </a:r>
+            <a:r>
+              <a:rPr lang="ru-RU" dirty="0" err="1" smtClean="0"/>
+              <a:t>фиолет</a:t>
+            </a:r>
+            <a:r>
+              <a:rPr lang="ru-RU" dirty="0" smtClean="0"/>
+              <a:t>. Будут показываться достижения или </a:t>
+            </a:r>
+            <a:r>
+              <a:rPr lang="ru-RU" dirty="0" err="1" smtClean="0"/>
+              <a:t>комбо</a:t>
+            </a:r>
+            <a:r>
+              <a:rPr lang="ru-RU" dirty="0" smtClean="0"/>
+              <a:t>.</a:t>
+            </a:r>
+          </a:p>
+        </p:txBody>
+      </p:sp>
+    </p:spTree>
+  </p:cSld>
+  <p:clrMapOvr>
+    <a:masterClrMapping/>
+  </p:clrMapOvr>
+</p:sld>
+</file>
+
 <file path=ppt/theme/theme1.xml><?xml version="1.0" encoding="utf-8"?>
 <a:theme xmlns:a="http://schemas.openxmlformats.org/drawingml/2006/main" name="Тема Office">
   <a:themeElements>

--- a/внешний вид.pptx
+++ b/внешний вид.pptx
@@ -7,7 +7,8 @@
   <p:sldIdLst>
     <p:sldId id="256" r:id="rId2"/>
     <p:sldId id="257" r:id="rId3"/>
-    <p:sldId id="258" r:id="rId4"/>
+    <p:sldId id="259" r:id="rId4"/>
+    <p:sldId id="258" r:id="rId5"/>
   </p:sldIdLst>
   <p:sldSz cx="6697663" cy="3779838"/>
   <p:notesSz cx="6858000" cy="9144000"/>
@@ -291,7 +292,7 @@
             <a:fld id="{A9D630E6-080C-48C4-8F9A-1A9E1A83D52B}" type="datetimeFigureOut">
               <a:rPr lang="ru-RU" smtClean="0"/>
               <a:pPr/>
-              <a:t>29.12.2023</a:t>
+              <a:t>10.02.2024</a:t>
             </a:fld>
             <a:endParaRPr lang="ru-RU"/>
           </a:p>
@@ -458,7 +459,7 @@
             <a:fld id="{A9D630E6-080C-48C4-8F9A-1A9E1A83D52B}" type="datetimeFigureOut">
               <a:rPr lang="ru-RU" smtClean="0"/>
               <a:pPr/>
-              <a:t>29.12.2023</a:t>
+              <a:t>10.02.2024</a:t>
             </a:fld>
             <a:endParaRPr lang="ru-RU"/>
           </a:p>
@@ -635,7 +636,7 @@
             <a:fld id="{A9D630E6-080C-48C4-8F9A-1A9E1A83D52B}" type="datetimeFigureOut">
               <a:rPr lang="ru-RU" smtClean="0"/>
               <a:pPr/>
-              <a:t>29.12.2023</a:t>
+              <a:t>10.02.2024</a:t>
             </a:fld>
             <a:endParaRPr lang="ru-RU"/>
           </a:p>
@@ -802,7 +803,7 @@
             <a:fld id="{A9D630E6-080C-48C4-8F9A-1A9E1A83D52B}" type="datetimeFigureOut">
               <a:rPr lang="ru-RU" smtClean="0"/>
               <a:pPr/>
-              <a:t>29.12.2023</a:t>
+              <a:t>10.02.2024</a:t>
             </a:fld>
             <a:endParaRPr lang="ru-RU"/>
           </a:p>
@@ -1045,7 +1046,7 @@
             <a:fld id="{A9D630E6-080C-48C4-8F9A-1A9E1A83D52B}" type="datetimeFigureOut">
               <a:rPr lang="ru-RU" smtClean="0"/>
               <a:pPr/>
-              <a:t>29.12.2023</a:t>
+              <a:t>10.02.2024</a:t>
             </a:fld>
             <a:endParaRPr lang="ru-RU"/>
           </a:p>
@@ -1330,7 +1331,7 @@
             <a:fld id="{A9D630E6-080C-48C4-8F9A-1A9E1A83D52B}" type="datetimeFigureOut">
               <a:rPr lang="ru-RU" smtClean="0"/>
               <a:pPr/>
-              <a:t>29.12.2023</a:t>
+              <a:t>10.02.2024</a:t>
             </a:fld>
             <a:endParaRPr lang="ru-RU"/>
           </a:p>
@@ -1749,7 +1750,7 @@
             <a:fld id="{A9D630E6-080C-48C4-8F9A-1A9E1A83D52B}" type="datetimeFigureOut">
               <a:rPr lang="ru-RU" smtClean="0"/>
               <a:pPr/>
-              <a:t>29.12.2023</a:t>
+              <a:t>10.02.2024</a:t>
             </a:fld>
             <a:endParaRPr lang="ru-RU"/>
           </a:p>
@@ -1864,7 +1865,7 @@
             <a:fld id="{A9D630E6-080C-48C4-8F9A-1A9E1A83D52B}" type="datetimeFigureOut">
               <a:rPr lang="ru-RU" smtClean="0"/>
               <a:pPr/>
-              <a:t>29.12.2023</a:t>
+              <a:t>10.02.2024</a:t>
             </a:fld>
             <a:endParaRPr lang="ru-RU"/>
           </a:p>
@@ -1956,7 +1957,7 @@
             <a:fld id="{A9D630E6-080C-48C4-8F9A-1A9E1A83D52B}" type="datetimeFigureOut">
               <a:rPr lang="ru-RU" smtClean="0"/>
               <a:pPr/>
-              <a:t>29.12.2023</a:t>
+              <a:t>10.02.2024</a:t>
             </a:fld>
             <a:endParaRPr lang="ru-RU"/>
           </a:p>
@@ -2230,7 +2231,7 @@
             <a:fld id="{A9D630E6-080C-48C4-8F9A-1A9E1A83D52B}" type="datetimeFigureOut">
               <a:rPr lang="ru-RU" smtClean="0"/>
               <a:pPr/>
-              <a:t>29.12.2023</a:t>
+              <a:t>10.02.2024</a:t>
             </a:fld>
             <a:endParaRPr lang="ru-RU"/>
           </a:p>
@@ -2480,7 +2481,7 @@
             <a:fld id="{A9D630E6-080C-48C4-8F9A-1A9E1A83D52B}" type="datetimeFigureOut">
               <a:rPr lang="ru-RU" smtClean="0"/>
               <a:pPr/>
-              <a:t>29.12.2023</a:t>
+              <a:t>10.02.2024</a:t>
             </a:fld>
             <a:endParaRPr lang="ru-RU"/>
           </a:p>
@@ -2690,7 +2691,7 @@
             <a:fld id="{A9D630E6-080C-48C4-8F9A-1A9E1A83D52B}" type="datetimeFigureOut">
               <a:rPr lang="ru-RU" smtClean="0"/>
               <a:pPr/>
-              <a:t>29.12.2023</a:t>
+              <a:t>10.02.2024</a:t>
             </a:fld>
             <a:endParaRPr lang="ru-RU"/>
           </a:p>
@@ -3299,11 +3300,7 @@
               </a:r>
               <a:r>
                 <a:rPr lang="ru-RU" sz="800" dirty="0" smtClean="0"/>
-                <a:t> с видом </a:t>
-              </a:r>
-              <a:r>
-                <a:rPr lang="ru-RU" sz="800" dirty="0" smtClean="0"/>
-                <a:t>сбоку</a:t>
+                <a:t> с видом сбоку</a:t>
               </a:r>
               <a:endParaRPr lang="en-US" sz="800" dirty="0" smtClean="0"/>
             </a:p>
@@ -3311,11 +3308,7 @@
               <a:pPr algn="ctr"/>
               <a:r>
                 <a:rPr lang="ru-RU" sz="800" dirty="0" smtClean="0"/>
-                <a:t>ИЗМЕННЕННО</a:t>
-              </a:r>
-              <a:r>
-                <a:rPr lang="ru-RU" sz="800" dirty="0" smtClean="0"/>
-                <a:t>:</a:t>
+                <a:t>ИЗМЕННЕННО:</a:t>
               </a:r>
             </a:p>
             <a:p>
@@ -9945,6 +9938,255 @@
       </p:grpSpPr>
       <p:sp>
         <p:nvSpPr>
+          <p:cNvPr id="5" name="Прямоугольник 4"/>
+          <p:cNvSpPr/>
+          <p:nvPr/>
+        </p:nvSpPr>
+        <p:spPr>
+          <a:xfrm>
+            <a:off x="612527" y="521767"/>
+            <a:ext cx="4688359" cy="2645887"/>
+          </a:xfrm>
+          <a:prstGeom prst="rect">
+            <a:avLst/>
+          </a:prstGeom>
+        </p:spPr>
+        <p:style>
+          <a:lnRef idx="2">
+            <a:schemeClr val="accent1">
+              <a:shade val="50000"/>
+            </a:schemeClr>
+          </a:lnRef>
+          <a:fillRef idx="1">
+            <a:schemeClr val="accent1"/>
+          </a:fillRef>
+          <a:effectRef idx="0">
+            <a:schemeClr val="accent1"/>
+          </a:effectRef>
+          <a:fontRef idx="minor">
+            <a:schemeClr val="lt1"/>
+          </a:fontRef>
+        </p:style>
+        <p:txBody>
+          <a:bodyPr rtlCol="0" anchor="ctr"/>
+          <a:lstStyle/>
+          <a:p>
+            <a:pPr algn="ctr"/>
+            <a:endParaRPr lang="ru-RU" dirty="0">
+              <a:solidFill>
+                <a:srgbClr val="FF0000"/>
+              </a:solidFill>
+            </a:endParaRPr>
+          </a:p>
+        </p:txBody>
+      </p:sp>
+      <p:sp>
+        <p:nvSpPr>
+          <p:cNvPr id="15" name="Прямоугольник 14"/>
+          <p:cNvSpPr/>
+          <p:nvPr/>
+        </p:nvSpPr>
+        <p:spPr>
+          <a:xfrm>
+            <a:off x="2700759" y="1025823"/>
+            <a:ext cx="2448272" cy="432048"/>
+          </a:xfrm>
+          <a:prstGeom prst="rect">
+            <a:avLst/>
+          </a:prstGeom>
+        </p:spPr>
+        <p:style>
+          <a:lnRef idx="2">
+            <a:schemeClr val="accent1">
+              <a:shade val="50000"/>
+            </a:schemeClr>
+          </a:lnRef>
+          <a:fillRef idx="1">
+            <a:schemeClr val="accent1"/>
+          </a:fillRef>
+          <a:effectRef idx="0">
+            <a:schemeClr val="accent1"/>
+          </a:effectRef>
+          <a:fontRef idx="minor">
+            <a:schemeClr val="lt1"/>
+          </a:fontRef>
+        </p:style>
+        <p:txBody>
+          <a:bodyPr rtlCol="0" anchor="ctr"/>
+          <a:lstStyle/>
+          <a:p>
+            <a:pPr algn="ctr"/>
+            <a:r>
+              <a:rPr lang="ru-RU" dirty="0" smtClean="0"/>
+              <a:t>Новая игра</a:t>
+            </a:r>
+            <a:endParaRPr lang="ru-RU" dirty="0"/>
+          </a:p>
+        </p:txBody>
+      </p:sp>
+      <p:sp>
+        <p:nvSpPr>
+          <p:cNvPr id="16" name="Прямоугольник 15"/>
+          <p:cNvSpPr/>
+          <p:nvPr/>
+        </p:nvSpPr>
+        <p:spPr>
+          <a:xfrm>
+            <a:off x="2700759" y="1673895"/>
+            <a:ext cx="2448272" cy="432048"/>
+          </a:xfrm>
+          <a:prstGeom prst="rect">
+            <a:avLst/>
+          </a:prstGeom>
+        </p:spPr>
+        <p:style>
+          <a:lnRef idx="2">
+            <a:schemeClr val="accent1">
+              <a:shade val="50000"/>
+            </a:schemeClr>
+          </a:lnRef>
+          <a:fillRef idx="1">
+            <a:schemeClr val="accent1"/>
+          </a:fillRef>
+          <a:effectRef idx="0">
+            <a:schemeClr val="accent1"/>
+          </a:effectRef>
+          <a:fontRef idx="minor">
+            <a:schemeClr val="lt1"/>
+          </a:fontRef>
+        </p:style>
+        <p:txBody>
+          <a:bodyPr rtlCol="0" anchor="ctr"/>
+          <a:lstStyle/>
+          <a:p>
+            <a:pPr algn="ctr"/>
+            <a:r>
+              <a:rPr lang="ru-RU" dirty="0" smtClean="0"/>
+              <a:t>Загрузить игру</a:t>
+            </a:r>
+            <a:endParaRPr lang="ru-RU" dirty="0"/>
+          </a:p>
+        </p:txBody>
+      </p:sp>
+      <p:sp>
+        <p:nvSpPr>
+          <p:cNvPr id="17" name="Прямоугольник 16"/>
+          <p:cNvSpPr/>
+          <p:nvPr/>
+        </p:nvSpPr>
+        <p:spPr>
+          <a:xfrm>
+            <a:off x="2700759" y="2321967"/>
+            <a:ext cx="2448272" cy="432048"/>
+          </a:xfrm>
+          <a:prstGeom prst="rect">
+            <a:avLst/>
+          </a:prstGeom>
+        </p:spPr>
+        <p:style>
+          <a:lnRef idx="2">
+            <a:schemeClr val="accent1">
+              <a:shade val="50000"/>
+            </a:schemeClr>
+          </a:lnRef>
+          <a:fillRef idx="1">
+            <a:schemeClr val="accent1"/>
+          </a:fillRef>
+          <a:effectRef idx="0">
+            <a:schemeClr val="accent1"/>
+          </a:effectRef>
+          <a:fontRef idx="minor">
+            <a:schemeClr val="lt1"/>
+          </a:fontRef>
+        </p:style>
+        <p:txBody>
+          <a:bodyPr rtlCol="0" anchor="ctr"/>
+          <a:lstStyle/>
+          <a:p>
+            <a:pPr algn="ctr"/>
+            <a:r>
+              <a:rPr lang="ru-RU" dirty="0" smtClean="0"/>
+              <a:t>Выход из игры</a:t>
+            </a:r>
+            <a:endParaRPr lang="ru-RU" dirty="0"/>
+          </a:p>
+        </p:txBody>
+      </p:sp>
+      <p:sp>
+        <p:nvSpPr>
+          <p:cNvPr id="18" name="TextBox 17"/>
+          <p:cNvSpPr txBox="1"/>
+          <p:nvPr/>
+        </p:nvSpPr>
+        <p:spPr>
+          <a:xfrm>
+            <a:off x="612527" y="449759"/>
+            <a:ext cx="2016224" cy="2134111"/>
+          </a:xfrm>
+          <a:prstGeom prst="rect">
+            <a:avLst/>
+          </a:prstGeom>
+          <a:noFill/>
+        </p:spPr>
+        <p:txBody>
+          <a:bodyPr wrap="square" rtlCol="0">
+            <a:spAutoFit/>
+          </a:bodyPr>
+          <a:lstStyle/>
+          <a:p>
+            <a:r>
+              <a:rPr lang="en-US" sz="3200" dirty="0" smtClean="0"/>
+              <a:t>Forty </a:t>
+            </a:r>
+          </a:p>
+          <a:p>
+            <a:r>
+              <a:rPr lang="en-US" sz="3200" dirty="0" smtClean="0"/>
+              <a:t>Degrees </a:t>
+            </a:r>
+          </a:p>
+          <a:p>
+            <a:r>
+              <a:rPr lang="en-US" sz="3200" dirty="0" smtClean="0"/>
+              <a:t>Of </a:t>
+            </a:r>
+          </a:p>
+          <a:p>
+            <a:r>
+              <a:rPr lang="en-US" sz="3200" dirty="0" smtClean="0"/>
+              <a:t>Hell</a:t>
+            </a:r>
+            <a:endParaRPr lang="ru-RU" sz="3200" dirty="0"/>
+          </a:p>
+        </p:txBody>
+      </p:sp>
+    </p:spTree>
+  </p:cSld>
+  <p:clrMapOvr>
+    <a:masterClrMapping/>
+  </p:clrMapOvr>
+</p:sld>
+</file>
+
+<file path=ppt/slides/slide4.xml><?xml version="1.0" encoding="utf-8"?>
+<p:sld xmlns:a="http://schemas.openxmlformats.org/drawingml/2006/main" xmlns:r="http://schemas.openxmlformats.org/officeDocument/2006/relationships" xmlns:p="http://schemas.openxmlformats.org/presentationml/2006/main">
+  <p:cSld>
+    <p:spTree>
+      <p:nvGrpSpPr>
+        <p:cNvPr id="1" name=""/>
+        <p:cNvGrpSpPr/>
+        <p:nvPr/>
+      </p:nvGrpSpPr>
+      <p:grpSpPr>
+        <a:xfrm>
+          <a:off x="0" y="0"/>
+          <a:ext cx="0" cy="0"/>
+          <a:chOff x="0" y="0"/>
+          <a:chExt cx="0" cy="0"/>
+        </a:xfrm>
+      </p:grpSpPr>
+      <p:sp>
+        <p:nvSpPr>
           <p:cNvPr id="3" name="Содержимое 2"/>
           <p:cNvSpPr>
             <a:spLocks noGrp="1"/>
